--- a/slides/pptx/0_introduction_slides.pptx
+++ b/slides/pptx/0_introduction_slides.pptx
@@ -274,7 +274,7 @@
           <a:p>
             <a:fld id="{A95E08DE-5598-4E0C-866A-9C75AADEEFE3}" type="datetimeFigureOut">
               <a:rPr lang="nl-NL" smtClean="0"/>
-              <a:t>29-6-2021</a:t>
+              <a:t>25-10-2021</a:t>
             </a:fld>
             <a:endParaRPr lang="nl-NL"/>
           </a:p>
@@ -474,7 +474,7 @@
           <a:p>
             <a:fld id="{A95E08DE-5598-4E0C-866A-9C75AADEEFE3}" type="datetimeFigureOut">
               <a:rPr lang="nl-NL" smtClean="0"/>
-              <a:t>29-6-2021</a:t>
+              <a:t>25-10-2021</a:t>
             </a:fld>
             <a:endParaRPr lang="nl-NL"/>
           </a:p>
@@ -684,7 +684,7 @@
           <a:p>
             <a:fld id="{A95E08DE-5598-4E0C-866A-9C75AADEEFE3}" type="datetimeFigureOut">
               <a:rPr lang="nl-NL" smtClean="0"/>
-              <a:t>29-6-2021</a:t>
+              <a:t>25-10-2021</a:t>
             </a:fld>
             <a:endParaRPr lang="nl-NL"/>
           </a:p>
@@ -884,7 +884,7 @@
           <a:p>
             <a:fld id="{A95E08DE-5598-4E0C-866A-9C75AADEEFE3}" type="datetimeFigureOut">
               <a:rPr lang="nl-NL" smtClean="0"/>
-              <a:t>29-6-2021</a:t>
+              <a:t>25-10-2021</a:t>
             </a:fld>
             <a:endParaRPr lang="nl-NL"/>
           </a:p>
@@ -1160,7 +1160,7 @@
           <a:p>
             <a:fld id="{A95E08DE-5598-4E0C-866A-9C75AADEEFE3}" type="datetimeFigureOut">
               <a:rPr lang="nl-NL" smtClean="0"/>
-              <a:t>29-6-2021</a:t>
+              <a:t>25-10-2021</a:t>
             </a:fld>
             <a:endParaRPr lang="nl-NL"/>
           </a:p>
@@ -1428,7 +1428,7 @@
           <a:p>
             <a:fld id="{A95E08DE-5598-4E0C-866A-9C75AADEEFE3}" type="datetimeFigureOut">
               <a:rPr lang="nl-NL" smtClean="0"/>
-              <a:t>29-6-2021</a:t>
+              <a:t>25-10-2021</a:t>
             </a:fld>
             <a:endParaRPr lang="nl-NL"/>
           </a:p>
@@ -1843,7 +1843,7 @@
           <a:p>
             <a:fld id="{A95E08DE-5598-4E0C-866A-9C75AADEEFE3}" type="datetimeFigureOut">
               <a:rPr lang="nl-NL" smtClean="0"/>
-              <a:t>29-6-2021</a:t>
+              <a:t>25-10-2021</a:t>
             </a:fld>
             <a:endParaRPr lang="nl-NL"/>
           </a:p>
@@ -1985,7 +1985,7 @@
           <a:p>
             <a:fld id="{A95E08DE-5598-4E0C-866A-9C75AADEEFE3}" type="datetimeFigureOut">
               <a:rPr lang="nl-NL" smtClean="0"/>
-              <a:t>29-6-2021</a:t>
+              <a:t>25-10-2021</a:t>
             </a:fld>
             <a:endParaRPr lang="nl-NL"/>
           </a:p>
@@ -2098,7 +2098,7 @@
           <a:p>
             <a:fld id="{A95E08DE-5598-4E0C-866A-9C75AADEEFE3}" type="datetimeFigureOut">
               <a:rPr lang="nl-NL" smtClean="0"/>
-              <a:t>29-6-2021</a:t>
+              <a:t>25-10-2021</a:t>
             </a:fld>
             <a:endParaRPr lang="nl-NL"/>
           </a:p>
@@ -2411,7 +2411,7 @@
           <a:p>
             <a:fld id="{A95E08DE-5598-4E0C-866A-9C75AADEEFE3}" type="datetimeFigureOut">
               <a:rPr lang="nl-NL" smtClean="0"/>
-              <a:t>29-6-2021</a:t>
+              <a:t>25-10-2021</a:t>
             </a:fld>
             <a:endParaRPr lang="nl-NL"/>
           </a:p>
@@ -2700,7 +2700,7 @@
           <a:p>
             <a:fld id="{A95E08DE-5598-4E0C-866A-9C75AADEEFE3}" type="datetimeFigureOut">
               <a:rPr lang="nl-NL" smtClean="0"/>
-              <a:t>29-6-2021</a:t>
+              <a:t>25-10-2021</a:t>
             </a:fld>
             <a:endParaRPr lang="nl-NL"/>
           </a:p>
@@ -2943,7 +2943,7 @@
           <a:p>
             <a:fld id="{A95E08DE-5598-4E0C-866A-9C75AADEEFE3}" type="datetimeFigureOut">
               <a:rPr lang="nl-NL" smtClean="0"/>
-              <a:t>29-6-2021</a:t>
+              <a:t>25-10-2021</a:t>
             </a:fld>
             <a:endParaRPr lang="nl-NL"/>
           </a:p>
@@ -3417,7 +3417,7 @@
           <a:p>
             <a:r>
               <a:rPr lang="en-US" dirty="0"/>
-              <a:t>1 July 2021</a:t>
+              <a:t>2 November 2021</a:t>
             </a:r>
             <a:endParaRPr lang="nl-NL" dirty="0"/>
           </a:p>
